--- a/Manual/SINEAD.pptx
+++ b/Manual/SINEAD.pptx
@@ -31,7 +31,7 @@
     <p:sldId id="281" r:id="rId22"/>
   </p:sldIdLst>
   <p:sldSz cx="9144000" cy="6858000" type="screen4x3"/>
-  <p:notesSz cx="6858000" cy="9144000"/>
+  <p:notesSz cx="7315200" cy="9601200"/>
   <p:defaultTextStyle>
     <a:defPPr>
       <a:defRPr lang="en-US"/>
@@ -230,17 +230,17 @@
         <p:spPr>
           <a:xfrm>
             <a:off x="0" y="0"/>
-            <a:ext cx="2971800" cy="457200"/>
+            <a:ext cx="3169920" cy="480060"/>
           </a:xfrm>
           <a:prstGeom prst="rect">
             <a:avLst/>
           </a:prstGeom>
         </p:spPr>
         <p:txBody>
-          <a:bodyPr vert="horz" lIns="91440" tIns="45720" rIns="91440" bIns="45720" rtlCol="0"/>
+          <a:bodyPr vert="horz" lIns="96661" tIns="48331" rIns="96661" bIns="48331" rtlCol="0"/>
           <a:lstStyle>
             <a:lvl1pPr algn="l">
-              <a:defRPr sz="1200"/>
+              <a:defRPr sz="1300"/>
             </a:lvl1pPr>
           </a:lstStyle>
           <a:p>
@@ -260,24 +260,24 @@
         </p:nvSpPr>
         <p:spPr>
           <a:xfrm>
-            <a:off x="3884613" y="0"/>
-            <a:ext cx="2971800" cy="457200"/>
+            <a:off x="4143587" y="0"/>
+            <a:ext cx="3169920" cy="480060"/>
           </a:xfrm>
           <a:prstGeom prst="rect">
             <a:avLst/>
           </a:prstGeom>
         </p:spPr>
         <p:txBody>
-          <a:bodyPr vert="horz" lIns="91440" tIns="45720" rIns="91440" bIns="45720" rtlCol="0"/>
+          <a:bodyPr vert="horz" lIns="96661" tIns="48331" rIns="96661" bIns="48331" rtlCol="0"/>
           <a:lstStyle>
             <a:lvl1pPr algn="r">
-              <a:defRPr sz="1200"/>
+              <a:defRPr sz="1300"/>
             </a:lvl1pPr>
           </a:lstStyle>
           <a:p>
             <a:fld id="{966F470F-6F77-4F3A-88F7-7765D14181F1}" type="datetimeFigureOut">
               <a:rPr lang="en-US" smtClean="0"/>
-              <a:t>8/13/2016</a:t>
+              <a:t>6/11/2017</a:t>
             </a:fld>
             <a:endParaRPr lang="en-US"/>
           </a:p>
@@ -295,8 +295,8 @@
         </p:nvSpPr>
         <p:spPr>
           <a:xfrm>
-            <a:off x="1143000" y="685800"/>
-            <a:ext cx="4572000" cy="3429000"/>
+            <a:off x="1257300" y="720725"/>
+            <a:ext cx="4800600" cy="3600450"/>
           </a:xfrm>
           <a:prstGeom prst="rect">
             <a:avLst/>
@@ -309,7 +309,7 @@
           </a:ln>
         </p:spPr>
         <p:txBody>
-          <a:bodyPr vert="horz" lIns="91440" tIns="45720" rIns="91440" bIns="45720" rtlCol="0" anchor="ctr"/>
+          <a:bodyPr vert="horz" lIns="96661" tIns="48331" rIns="96661" bIns="48331" rtlCol="0" anchor="ctr"/>
           <a:lstStyle/>
           <a:p>
             <a:endParaRPr lang="en-US"/>
@@ -328,15 +328,15 @@
         </p:nvSpPr>
         <p:spPr>
           <a:xfrm>
-            <a:off x="685800" y="4343400"/>
-            <a:ext cx="5486400" cy="4114800"/>
+            <a:off x="731520" y="4560570"/>
+            <a:ext cx="5852160" cy="4320540"/>
           </a:xfrm>
           <a:prstGeom prst="rect">
             <a:avLst/>
           </a:prstGeom>
         </p:spPr>
         <p:txBody>
-          <a:bodyPr vert="horz" lIns="91440" tIns="45720" rIns="91440" bIns="45720" rtlCol="0"/>
+          <a:bodyPr vert="horz" lIns="96661" tIns="48331" rIns="96661" bIns="48331" rtlCol="0"/>
           <a:lstStyle/>
           <a:p>
             <a:pPr lvl="0"/>
@@ -387,18 +387,18 @@
         </p:nvSpPr>
         <p:spPr>
           <a:xfrm>
-            <a:off x="0" y="8685213"/>
-            <a:ext cx="2971800" cy="457200"/>
+            <a:off x="0" y="9119474"/>
+            <a:ext cx="3169920" cy="480060"/>
           </a:xfrm>
           <a:prstGeom prst="rect">
             <a:avLst/>
           </a:prstGeom>
         </p:spPr>
         <p:txBody>
-          <a:bodyPr vert="horz" lIns="91440" tIns="45720" rIns="91440" bIns="45720" rtlCol="0" anchor="b"/>
+          <a:bodyPr vert="horz" lIns="96661" tIns="48331" rIns="96661" bIns="48331" rtlCol="0" anchor="b"/>
           <a:lstStyle>
             <a:lvl1pPr algn="l">
-              <a:defRPr sz="1200"/>
+              <a:defRPr sz="1300"/>
             </a:lvl1pPr>
           </a:lstStyle>
           <a:p>
@@ -418,18 +418,18 @@
         </p:nvSpPr>
         <p:spPr>
           <a:xfrm>
-            <a:off x="3884613" y="8685213"/>
-            <a:ext cx="2971800" cy="457200"/>
+            <a:off x="4143587" y="9119474"/>
+            <a:ext cx="3169920" cy="480060"/>
           </a:xfrm>
           <a:prstGeom prst="rect">
             <a:avLst/>
           </a:prstGeom>
         </p:spPr>
         <p:txBody>
-          <a:bodyPr vert="horz" lIns="91440" tIns="45720" rIns="91440" bIns="45720" rtlCol="0" anchor="b"/>
+          <a:bodyPr vert="horz" lIns="96661" tIns="48331" rIns="96661" bIns="48331" rtlCol="0" anchor="b"/>
           <a:lstStyle>
             <a:lvl1pPr algn="r">
-              <a:defRPr sz="1200"/>
+              <a:defRPr sz="1300"/>
             </a:lvl1pPr>
           </a:lstStyle>
           <a:p>
@@ -723,7 +723,7 @@
           <a:p>
             <a:fld id="{EB2AEAB4-886A-4F30-97CD-4D9393F3AEB2}" type="datetime1">
               <a:rPr lang="en-US" smtClean="0"/>
-              <a:t>8/13/2016</a:t>
+              <a:t>6/11/2017</a:t>
             </a:fld>
             <a:endParaRPr lang="en-US"/>
           </a:p>
@@ -891,7 +891,7 @@
           <a:p>
             <a:fld id="{FA141673-2E82-4E86-A080-DCA75BA62F09}" type="datetime1">
               <a:rPr lang="en-US" smtClean="0"/>
-              <a:t>8/13/2016</a:t>
+              <a:t>6/11/2017</a:t>
             </a:fld>
             <a:endParaRPr lang="en-US"/>
           </a:p>
@@ -1069,7 +1069,7 @@
           <a:p>
             <a:fld id="{471AE249-9BA8-4E2F-88C7-1BAE6F502141}" type="datetime1">
               <a:rPr lang="en-US" smtClean="0"/>
-              <a:t>8/13/2016</a:t>
+              <a:t>6/11/2017</a:t>
             </a:fld>
             <a:endParaRPr lang="en-US"/>
           </a:p>
@@ -1237,7 +1237,7 @@
           <a:p>
             <a:fld id="{D86EDED2-9EB8-47F7-B91A-E88D2947A97E}" type="datetime1">
               <a:rPr lang="en-US" smtClean="0"/>
-              <a:t>8/13/2016</a:t>
+              <a:t>6/11/2017</a:t>
             </a:fld>
             <a:endParaRPr lang="en-US"/>
           </a:p>
@@ -1482,7 +1482,7 @@
           <a:p>
             <a:fld id="{DEB2EA13-5D5C-4DD3-9BB5-3396A895F3E6}" type="datetime1">
               <a:rPr lang="en-US" smtClean="0"/>
-              <a:t>8/13/2016</a:t>
+              <a:t>6/11/2017</a:t>
             </a:fld>
             <a:endParaRPr lang="en-US"/>
           </a:p>
@@ -1767,7 +1767,7 @@
           <a:p>
             <a:fld id="{993CD22F-DCF2-43F6-A7D5-11B7E804EC6A}" type="datetime1">
               <a:rPr lang="en-US" smtClean="0"/>
-              <a:t>8/13/2016</a:t>
+              <a:t>6/11/2017</a:t>
             </a:fld>
             <a:endParaRPr lang="en-US"/>
           </a:p>
@@ -2186,7 +2186,7 @@
           <a:p>
             <a:fld id="{7C64CBCB-990D-4A34-BEBC-EAA96C04CD02}" type="datetime1">
               <a:rPr lang="en-US" smtClean="0"/>
-              <a:t>8/13/2016</a:t>
+              <a:t>6/11/2017</a:t>
             </a:fld>
             <a:endParaRPr lang="en-US"/>
           </a:p>
@@ -2303,7 +2303,7 @@
           <a:p>
             <a:fld id="{F51CB2D8-A6DB-4373-8083-FF10C4847F8F}" type="datetime1">
               <a:rPr lang="en-US" smtClean="0"/>
-              <a:t>8/13/2016</a:t>
+              <a:t>6/11/2017</a:t>
             </a:fld>
             <a:endParaRPr lang="en-US"/>
           </a:p>
@@ -2398,7 +2398,7 @@
           <a:p>
             <a:fld id="{7B7C7136-412A-4DF6-8251-A4C7088E8300}" type="datetime1">
               <a:rPr lang="en-US" smtClean="0"/>
-              <a:t>8/13/2016</a:t>
+              <a:t>6/11/2017</a:t>
             </a:fld>
             <a:endParaRPr lang="en-US"/>
           </a:p>
@@ -2673,7 +2673,7 @@
           <a:p>
             <a:fld id="{866EC1AA-87AA-47C2-84D8-F3390C9E3B5D}" type="datetime1">
               <a:rPr lang="en-US" smtClean="0"/>
-              <a:t>8/13/2016</a:t>
+              <a:t>6/11/2017</a:t>
             </a:fld>
             <a:endParaRPr lang="en-US"/>
           </a:p>
@@ -2925,7 +2925,7 @@
           <a:p>
             <a:fld id="{D84299BA-6039-414A-BEFF-8E74923A4CAB}" type="datetime1">
               <a:rPr lang="en-US" smtClean="0"/>
-              <a:t>8/13/2016</a:t>
+              <a:t>6/11/2017</a:t>
             </a:fld>
             <a:endParaRPr lang="en-US"/>
           </a:p>
@@ -3136,7 +3136,7 @@
           <a:p>
             <a:fld id="{53979547-0681-4569-B0AC-79893FDFA5DB}" type="datetime1">
               <a:rPr lang="en-US" smtClean="0"/>
-              <a:t>8/13/2016</a:t>
+              <a:t>6/11/2017</a:t>
             </a:fld>
             <a:endParaRPr lang="en-US"/>
           </a:p>
@@ -15153,17 +15153,20 @@
             </a:r>
             <a:r>
               <a:rPr lang="en-GB" sz="1500" dirty="0"/>
-              <a:t> V, McGuinness B, Maguire L and Wong-Lin K. Multi-kernel learning with </a:t>
-            </a:r>
-            <a:r>
-              <a:rPr lang="en-GB" sz="1500" dirty="0" err="1"/>
-              <a:t>Dartel</a:t>
+              <a:t> V, McGuinness B, Maguire L and Wong-Lin K. Multi-kernel learning with Dartel enhances MRI-PET classification and prediction of Alzheimer’s disease: group and individual analyses, Submitted to </a:t>
+            </a:r>
+            <a:r>
+              <a:rPr lang="en-US" sz="1400" dirty="0"/>
+              <a:t>Front. Hum. </a:t>
+            </a:r>
+            <a:r>
+              <a:rPr lang="en-US" sz="1400" dirty="0" err="1"/>
+              <a:t>Neurosci</a:t>
             </a:r>
             <a:r>
               <a:rPr lang="en-GB" sz="1500" dirty="0"/>
-              <a:t> enhances MRI-PET classification and prediction of Alzheimer’s disease: group and individual analyses, In preparation.</a:t>
-            </a:r>
-            <a:endParaRPr lang="en-US" sz="1500" dirty="0"/>
+              <a:t>.</a:t>
+            </a:r>
           </a:p>
         </p:txBody>
       </p:sp>
